--- a/presentation/Inequality by Demographic Factors_NoTheory_2.pptx
+++ b/presentation/Inequality by Demographic Factors_NoTheory_2.pptx
@@ -154,7 +154,7 @@
   </p:defaultTextStyle>
   <p:extLst>
     <p:ext uri="{EFAFB233-063F-42B5-8137-9DF3F51BA10A}">
-      <p15:sldGuideLst xmlns:p15="http://schemas.microsoft.com/office/powerpoint/2012/main" xmlns="">
+      <p15:sldGuideLst xmlns="" xmlns:p15="http://schemas.microsoft.com/office/powerpoint/2012/main">
         <p15:guide id="1" orient="horz" pos="2160">
           <p15:clr>
             <a:srgbClr val="A4A3A4"/>
@@ -168,7 +168,7 @@
       </p15:sldGuideLst>
     </p:ext>
     <p:ext uri="{2D200454-40CA-4A62-9FC3-DE9A4176ACB9}">
-      <p15:notesGuideLst xmlns:p15="http://schemas.microsoft.com/office/powerpoint/2012/main" xmlns="">
+      <p15:notesGuideLst xmlns="" xmlns:p15="http://schemas.microsoft.com/office/powerpoint/2012/main">
         <p15:guide id="1" orient="horz" pos="3132">
           <p15:clr>
             <a:srgbClr val="A4A3A4"/>
@@ -282,7 +282,7 @@
           <a:p>
             <a:fld id="{EFA0D184-D464-48E9-9CA0-A94E873F6C2C}" type="datetimeFigureOut">
               <a:rPr lang="de-CH" smtClean="0"/>
-              <a:t>17.10.2014</a:t>
+              <a:t>21.10.2014</a:t>
             </a:fld>
             <a:endParaRPr lang="de-CH" dirty="0"/>
           </a:p>
@@ -447,7 +447,7 @@
           <a:p>
             <a:fld id="{5AF2B663-2BA9-4D7E-8201-5DE4109E1EDD}" type="datetimeFigureOut">
               <a:rPr lang="de-CH" smtClean="0"/>
-              <a:t>17.10.2014</a:t>
+              <a:t>21.10.2014</a:t>
             </a:fld>
             <a:endParaRPr lang="de-CH" dirty="0"/>
           </a:p>
@@ -9206,7 +9206,6 @@
               <a:rPr lang="en-US" dirty="0"/>
               <a:t>Contribution of within and between inequality  to overall inequality</a:t>
             </a:r>
-            <a:endParaRPr lang="en-US" dirty="0"/>
           </a:p>
         </p:txBody>
       </p:sp>
@@ -9663,25 +9662,25 @@
           <p:nvPr>
             <p:extLst>
               <p:ext uri="{D42A27DB-BD31-4B8C-83A1-F6EECF244321}">
-                <p14:modId xmlns:p14="http://schemas.microsoft.com/office/powerpoint/2010/main" val="1643981186"/>
+                <p14:modId xmlns:p14="http://schemas.microsoft.com/office/powerpoint/2010/main" val="1012156205"/>
               </p:ext>
             </p:extLst>
           </p:nvPr>
         </p:nvGraphicFramePr>
         <p:xfrm>
-          <a:off x="2270459" y="2585883"/>
-          <a:ext cx="4057650" cy="2562225"/>
+          <a:off x="3794125" y="2586038"/>
+          <a:ext cx="4057650" cy="2505075"/>
         </p:xfrm>
         <a:graphic>
           <a:graphicData uri="http://schemas.openxmlformats.org/presentationml/2006/ole">
             <mc:AlternateContent xmlns:mc="http://schemas.openxmlformats.org/markup-compatibility/2006">
               <mc:Choice xmlns:v="urn:schemas-microsoft-com:vml" Requires="v">
-                <p:oleObj spid="_x0000_s12292" name="Worksheet" r:id="rId5" imgW="4057606" imgH="2562210" progId="Excel.Sheet.12">
+                <p:oleObj spid="_x0000_s12293" name="Worksheet" r:id="rId4" imgW="4057667" imgH="2505143" progId="Excel.Sheet.12">
                   <p:embed/>
                 </p:oleObj>
               </mc:Choice>
               <mc:Fallback>
-                <p:oleObj name="Worksheet" r:id="rId5" imgW="4057606" imgH="2562210" progId="Excel.Sheet.12">
+                <p:oleObj name="Worksheet" r:id="rId4" imgW="4057667" imgH="2505143" progId="Excel.Sheet.12">
                   <p:embed/>
                   <p:pic>
                     <p:nvPicPr>
@@ -9690,15 +9689,15 @@
                       <p:nvPr/>
                     </p:nvPicPr>
                     <p:blipFill>
-                      <a:blip r:embed="rId6"/>
+                      <a:blip r:embed="rId5"/>
                       <a:stretch>
                         <a:fillRect/>
                       </a:stretch>
                     </p:blipFill>
                     <p:spPr>
                       <a:xfrm>
-                        <a:off x="2270459" y="2585883"/>
-                        <a:ext cx="4057650" cy="2562225"/>
+                        <a:off x="3794125" y="2586038"/>
+                        <a:ext cx="4057650" cy="2505075"/>
                       </a:xfrm>
                       <a:prstGeom prst="rect">
                         <a:avLst/>
@@ -9711,6 +9710,247 @@
           </a:graphicData>
         </a:graphic>
       </p:graphicFrame>
+      <p:sp>
+        <p:nvSpPr>
+          <p:cNvPr id="9" name="Inhaltsplatzhalter 3"/>
+          <p:cNvSpPr txBox="1">
+            <a:spLocks/>
+          </p:cNvSpPr>
+          <p:nvPr/>
+        </p:nvSpPr>
+        <p:spPr>
+          <a:xfrm>
+            <a:off x="564720" y="2323612"/>
+            <a:ext cx="2904488" cy="2170559"/>
+          </a:xfrm>
+          <a:prstGeom prst="rect">
+            <a:avLst/>
+          </a:prstGeom>
+        </p:spPr>
+        <p:txBody>
+          <a:bodyPr lIns="0" rIns="0"/>
+          <a:lstStyle>
+            <a:lvl1pPr marL="271463" indent="-271463" algn="l" defTabSz="457200" rtl="0" eaLnBrk="1" fontAlgn="base" hangingPunct="1">
+              <a:spcBef>
+                <a:spcPct val="20000"/>
+              </a:spcBef>
+              <a:spcAft>
+                <a:spcPct val="0"/>
+              </a:spcAft>
+              <a:buClr>
+                <a:srgbClr val="FAA500"/>
+              </a:buClr>
+              <a:buSzPct val="80000"/>
+              <a:buFont typeface="Lucida Grande"/>
+              <a:buChar char="▶"/>
+              <a:defRPr sz="1800" kern="1200">
+                <a:solidFill>
+                  <a:schemeClr val="tx1"/>
+                </a:solidFill>
+                <a:latin typeface="Lucida Sans"/>
+                <a:ea typeface="MS PGothic" pitchFamily="34" charset="-128"/>
+                <a:cs typeface="Lucida Sans"/>
+              </a:defRPr>
+            </a:lvl1pPr>
+            <a:lvl2pPr marL="714375" indent="-257175" algn="l" defTabSz="457200" rtl="0" eaLnBrk="1" fontAlgn="base" hangingPunct="1">
+              <a:spcBef>
+                <a:spcPct val="20000"/>
+              </a:spcBef>
+              <a:spcAft>
+                <a:spcPct val="0"/>
+              </a:spcAft>
+              <a:buClr>
+                <a:srgbClr val="FAA500"/>
+              </a:buClr>
+              <a:buSzPct val="80000"/>
+              <a:buFont typeface="Lucida Grande"/>
+              <a:buChar char="▶"/>
+              <a:defRPr sz="1800" kern="1200">
+                <a:solidFill>
+                  <a:schemeClr val="tx1"/>
+                </a:solidFill>
+                <a:latin typeface="Lucida Sans"/>
+                <a:ea typeface="MS PGothic" pitchFamily="34" charset="-128"/>
+                <a:cs typeface="Lucida Sans"/>
+              </a:defRPr>
+            </a:lvl2pPr>
+            <a:lvl3pPr marL="1143000" indent="-228600" algn="l" defTabSz="457200" rtl="0" eaLnBrk="1" fontAlgn="base" hangingPunct="1">
+              <a:spcBef>
+                <a:spcPct val="20000"/>
+              </a:spcBef>
+              <a:spcAft>
+                <a:spcPct val="0"/>
+              </a:spcAft>
+              <a:buClr>
+                <a:srgbClr val="FAA500"/>
+              </a:buClr>
+              <a:buSzPct val="80000"/>
+              <a:buFont typeface="Lucida Grande"/>
+              <a:buChar char="▶"/>
+              <a:defRPr sz="1800" kern="1200">
+                <a:solidFill>
+                  <a:schemeClr val="tx1"/>
+                </a:solidFill>
+                <a:latin typeface="Lucida Sans"/>
+                <a:ea typeface="MS PGothic" pitchFamily="34" charset="-128"/>
+                <a:cs typeface="Lucida Sans"/>
+              </a:defRPr>
+            </a:lvl3pPr>
+            <a:lvl4pPr marL="1600200" indent="-228600" algn="l" defTabSz="457200" rtl="0" eaLnBrk="1" fontAlgn="base" hangingPunct="1">
+              <a:spcBef>
+                <a:spcPct val="20000"/>
+              </a:spcBef>
+              <a:spcAft>
+                <a:spcPct val="0"/>
+              </a:spcAft>
+              <a:buClr>
+                <a:srgbClr val="FAA500"/>
+              </a:buClr>
+              <a:buSzPct val="80000"/>
+              <a:buFont typeface="Lucida Grande"/>
+              <a:buChar char="▶"/>
+              <a:defRPr sz="1800" kern="1200">
+                <a:solidFill>
+                  <a:schemeClr val="tx1"/>
+                </a:solidFill>
+                <a:latin typeface="Lucida Sans"/>
+                <a:ea typeface="MS PGothic" pitchFamily="34" charset="-128"/>
+                <a:cs typeface="Lucida Sans"/>
+              </a:defRPr>
+            </a:lvl4pPr>
+            <a:lvl5pPr marL="2057400" indent="-228600" algn="l" defTabSz="457200" rtl="0" eaLnBrk="1" fontAlgn="base" hangingPunct="1">
+              <a:spcBef>
+                <a:spcPct val="20000"/>
+              </a:spcBef>
+              <a:spcAft>
+                <a:spcPct val="0"/>
+              </a:spcAft>
+              <a:buClr>
+                <a:srgbClr val="FAA500"/>
+              </a:buClr>
+              <a:buSzPct val="80000"/>
+              <a:buFont typeface="Lucida Grande"/>
+              <a:buChar char="▶"/>
+              <a:defRPr sz="1800" kern="1200">
+                <a:solidFill>
+                  <a:schemeClr val="tx1"/>
+                </a:solidFill>
+                <a:latin typeface="Lucida Sans"/>
+                <a:ea typeface="MS PGothic" pitchFamily="34" charset="-128"/>
+                <a:cs typeface="Lucida Sans"/>
+              </a:defRPr>
+            </a:lvl5pPr>
+            <a:lvl6pPr marL="2514600" indent="-228600" algn="l" defTabSz="457200" rtl="0" eaLnBrk="1" latinLnBrk="0" hangingPunct="1">
+              <a:spcBef>
+                <a:spcPct val="20000"/>
+              </a:spcBef>
+              <a:buFont typeface="Arial"/>
+              <a:buChar char="•"/>
+              <a:defRPr sz="1800" kern="1200">
+                <a:solidFill>
+                  <a:schemeClr val="tx1"/>
+                </a:solidFill>
+                <a:latin typeface="+mn-lt"/>
+                <a:ea typeface="+mn-ea"/>
+                <a:cs typeface="+mn-cs"/>
+              </a:defRPr>
+            </a:lvl6pPr>
+            <a:lvl7pPr marL="2971800" indent="-228600" algn="l" defTabSz="457200" rtl="0" eaLnBrk="1" latinLnBrk="0" hangingPunct="1">
+              <a:spcBef>
+                <a:spcPct val="20000"/>
+              </a:spcBef>
+              <a:buFont typeface="Arial"/>
+              <a:buChar char="•"/>
+              <a:defRPr sz="1800" kern="1200">
+                <a:solidFill>
+                  <a:schemeClr val="tx1"/>
+                </a:solidFill>
+                <a:latin typeface="+mn-lt"/>
+                <a:ea typeface="+mn-ea"/>
+                <a:cs typeface="+mn-cs"/>
+              </a:defRPr>
+            </a:lvl7pPr>
+            <a:lvl8pPr marL="3429000" indent="-228600" algn="l" defTabSz="457200" rtl="0" eaLnBrk="1" latinLnBrk="0" hangingPunct="1">
+              <a:spcBef>
+                <a:spcPct val="20000"/>
+              </a:spcBef>
+              <a:buFont typeface="Arial"/>
+              <a:buChar char="•"/>
+              <a:defRPr sz="1800" kern="1200">
+                <a:solidFill>
+                  <a:schemeClr val="tx1"/>
+                </a:solidFill>
+                <a:latin typeface="+mn-lt"/>
+                <a:ea typeface="+mn-ea"/>
+                <a:cs typeface="+mn-cs"/>
+              </a:defRPr>
+            </a:lvl8pPr>
+            <a:lvl9pPr marL="3886200" indent="-228600" algn="l" defTabSz="457200" rtl="0" eaLnBrk="1" latinLnBrk="0" hangingPunct="1">
+              <a:spcBef>
+                <a:spcPct val="20000"/>
+              </a:spcBef>
+              <a:buFont typeface="Arial"/>
+              <a:buChar char="•"/>
+              <a:defRPr sz="1800" kern="1200">
+                <a:solidFill>
+                  <a:schemeClr val="tx1"/>
+                </a:solidFill>
+                <a:latin typeface="+mn-lt"/>
+                <a:ea typeface="+mn-ea"/>
+                <a:cs typeface="+mn-cs"/>
+              </a:defRPr>
+            </a:lvl9pPr>
+          </a:lstStyle>
+          <a:p>
+            <a:r>
+              <a:rPr lang="en-US" i="1" dirty="0" smtClean="0"/>
+              <a:t>Between group differences are high between married and single </a:t>
+            </a:r>
+          </a:p>
+          <a:p>
+            <a:r>
+              <a:rPr lang="en-US" i="1" dirty="0" smtClean="0"/>
+              <a:t>married HH gained more </a:t>
+            </a:r>
+            <a:r>
+              <a:rPr lang="en-US" i="1" dirty="0"/>
+              <a:t>on average (</a:t>
+            </a:r>
+            <a:r>
+              <a:rPr lang="en-US" sz="1400" i="1" dirty="0" smtClean="0"/>
+              <a:t>pronunciation of between group differences)</a:t>
+            </a:r>
+            <a:endParaRPr lang="de-CH" sz="1400" i="1" dirty="0" smtClean="0"/>
+          </a:p>
+          <a:p>
+            <a:r>
+              <a:rPr lang="de-CH" i="1" dirty="0" smtClean="0"/>
+              <a:t>But: </a:t>
+            </a:r>
+            <a:r>
+              <a:rPr lang="en-US" i="1" dirty="0" smtClean="0"/>
+              <a:t>Inequality reaches a maximum at a single-share of about </a:t>
+            </a:r>
+            <a:r>
+              <a:rPr lang="de-CH" i="1" dirty="0" smtClean="0"/>
+              <a:t>60%</a:t>
+            </a:r>
+            <a:endParaRPr lang="en-US" i="1" dirty="0" smtClean="0"/>
+          </a:p>
+          <a:p>
+            <a:endParaRPr lang="de-CH" dirty="0"/>
+          </a:p>
+          <a:p>
+            <a:pPr marL="0" indent="0">
+              <a:buNone/>
+            </a:pPr>
+            <a:endParaRPr lang="de-CH" b="1" i="1" dirty="0" smtClean="0"/>
+          </a:p>
+          <a:p>
+            <a:endParaRPr lang="de-CH" dirty="0" smtClean="0"/>
+          </a:p>
+        </p:txBody>
+      </p:sp>
     </p:spTree>
     <p:extLst>
       <p:ext uri="{BB962C8B-B14F-4D97-AF65-F5344CB8AC3E}">
@@ -9914,9 +10154,252 @@
           </a:prstGeom>
         </p:spPr>
       </p:sp>
+      <p:sp>
+        <p:nvSpPr>
+          <p:cNvPr id="11" name="Inhaltsplatzhalter 3"/>
+          <p:cNvSpPr txBox="1">
+            <a:spLocks/>
+          </p:cNvSpPr>
+          <p:nvPr/>
+        </p:nvSpPr>
+        <p:spPr>
+          <a:xfrm>
+            <a:off x="5435600" y="1639873"/>
+            <a:ext cx="3132040" cy="3808427"/>
+          </a:xfrm>
+          <a:prstGeom prst="rect">
+            <a:avLst/>
+          </a:prstGeom>
+        </p:spPr>
+        <p:txBody>
+          <a:bodyPr lIns="0" rIns="0"/>
+          <a:lstStyle>
+            <a:lvl1pPr marL="271463" indent="-271463" algn="l" defTabSz="457200" rtl="0" eaLnBrk="1" fontAlgn="base" hangingPunct="1">
+              <a:spcBef>
+                <a:spcPct val="20000"/>
+              </a:spcBef>
+              <a:spcAft>
+                <a:spcPct val="0"/>
+              </a:spcAft>
+              <a:buClr>
+                <a:srgbClr val="FAA500"/>
+              </a:buClr>
+              <a:buSzPct val="80000"/>
+              <a:buFont typeface="Lucida Grande"/>
+              <a:buChar char="▶"/>
+              <a:defRPr sz="1800" kern="1200">
+                <a:solidFill>
+                  <a:schemeClr val="tx1"/>
+                </a:solidFill>
+                <a:latin typeface="Lucida Sans"/>
+                <a:ea typeface="MS PGothic" pitchFamily="34" charset="-128"/>
+                <a:cs typeface="Lucida Sans"/>
+              </a:defRPr>
+            </a:lvl1pPr>
+            <a:lvl2pPr marL="714375" indent="-257175" algn="l" defTabSz="457200" rtl="0" eaLnBrk="1" fontAlgn="base" hangingPunct="1">
+              <a:spcBef>
+                <a:spcPct val="20000"/>
+              </a:spcBef>
+              <a:spcAft>
+                <a:spcPct val="0"/>
+              </a:spcAft>
+              <a:buClr>
+                <a:srgbClr val="FAA500"/>
+              </a:buClr>
+              <a:buSzPct val="80000"/>
+              <a:buFont typeface="Lucida Grande"/>
+              <a:buChar char="▶"/>
+              <a:defRPr sz="1800" kern="1200">
+                <a:solidFill>
+                  <a:schemeClr val="tx1"/>
+                </a:solidFill>
+                <a:latin typeface="Lucida Sans"/>
+                <a:ea typeface="MS PGothic" pitchFamily="34" charset="-128"/>
+                <a:cs typeface="Lucida Sans"/>
+              </a:defRPr>
+            </a:lvl2pPr>
+            <a:lvl3pPr marL="1143000" indent="-228600" algn="l" defTabSz="457200" rtl="0" eaLnBrk="1" fontAlgn="base" hangingPunct="1">
+              <a:spcBef>
+                <a:spcPct val="20000"/>
+              </a:spcBef>
+              <a:spcAft>
+                <a:spcPct val="0"/>
+              </a:spcAft>
+              <a:buClr>
+                <a:srgbClr val="FAA500"/>
+              </a:buClr>
+              <a:buSzPct val="80000"/>
+              <a:buFont typeface="Lucida Grande"/>
+              <a:buChar char="▶"/>
+              <a:defRPr sz="1800" kern="1200">
+                <a:solidFill>
+                  <a:schemeClr val="tx1"/>
+                </a:solidFill>
+                <a:latin typeface="Lucida Sans"/>
+                <a:ea typeface="MS PGothic" pitchFamily="34" charset="-128"/>
+                <a:cs typeface="Lucida Sans"/>
+              </a:defRPr>
+            </a:lvl3pPr>
+            <a:lvl4pPr marL="1600200" indent="-228600" algn="l" defTabSz="457200" rtl="0" eaLnBrk="1" fontAlgn="base" hangingPunct="1">
+              <a:spcBef>
+                <a:spcPct val="20000"/>
+              </a:spcBef>
+              <a:spcAft>
+                <a:spcPct val="0"/>
+              </a:spcAft>
+              <a:buClr>
+                <a:srgbClr val="FAA500"/>
+              </a:buClr>
+              <a:buSzPct val="80000"/>
+              <a:buFont typeface="Lucida Grande"/>
+              <a:buChar char="▶"/>
+              <a:defRPr sz="1800" kern="1200">
+                <a:solidFill>
+                  <a:schemeClr val="tx1"/>
+                </a:solidFill>
+                <a:latin typeface="Lucida Sans"/>
+                <a:ea typeface="MS PGothic" pitchFamily="34" charset="-128"/>
+                <a:cs typeface="Lucida Sans"/>
+              </a:defRPr>
+            </a:lvl4pPr>
+            <a:lvl5pPr marL="2057400" indent="-228600" algn="l" defTabSz="457200" rtl="0" eaLnBrk="1" fontAlgn="base" hangingPunct="1">
+              <a:spcBef>
+                <a:spcPct val="20000"/>
+              </a:spcBef>
+              <a:spcAft>
+                <a:spcPct val="0"/>
+              </a:spcAft>
+              <a:buClr>
+                <a:srgbClr val="FAA500"/>
+              </a:buClr>
+              <a:buSzPct val="80000"/>
+              <a:buFont typeface="Lucida Grande"/>
+              <a:buChar char="▶"/>
+              <a:defRPr sz="1800" kern="1200">
+                <a:solidFill>
+                  <a:schemeClr val="tx1"/>
+                </a:solidFill>
+                <a:latin typeface="Lucida Sans"/>
+                <a:ea typeface="MS PGothic" pitchFamily="34" charset="-128"/>
+                <a:cs typeface="Lucida Sans"/>
+              </a:defRPr>
+            </a:lvl5pPr>
+            <a:lvl6pPr marL="2514600" indent="-228600" algn="l" defTabSz="457200" rtl="0" eaLnBrk="1" latinLnBrk="0" hangingPunct="1">
+              <a:spcBef>
+                <a:spcPct val="20000"/>
+              </a:spcBef>
+              <a:buFont typeface="Arial"/>
+              <a:buChar char="•"/>
+              <a:defRPr sz="1800" kern="1200">
+                <a:solidFill>
+                  <a:schemeClr val="tx1"/>
+                </a:solidFill>
+                <a:latin typeface="+mn-lt"/>
+                <a:ea typeface="+mn-ea"/>
+                <a:cs typeface="+mn-cs"/>
+              </a:defRPr>
+            </a:lvl6pPr>
+            <a:lvl7pPr marL="2971800" indent="-228600" algn="l" defTabSz="457200" rtl="0" eaLnBrk="1" latinLnBrk="0" hangingPunct="1">
+              <a:spcBef>
+                <a:spcPct val="20000"/>
+              </a:spcBef>
+              <a:buFont typeface="Arial"/>
+              <a:buChar char="•"/>
+              <a:defRPr sz="1800" kern="1200">
+                <a:solidFill>
+                  <a:schemeClr val="tx1"/>
+                </a:solidFill>
+                <a:latin typeface="+mn-lt"/>
+                <a:ea typeface="+mn-ea"/>
+                <a:cs typeface="+mn-cs"/>
+              </a:defRPr>
+            </a:lvl7pPr>
+            <a:lvl8pPr marL="3429000" indent="-228600" algn="l" defTabSz="457200" rtl="0" eaLnBrk="1" latinLnBrk="0" hangingPunct="1">
+              <a:spcBef>
+                <a:spcPct val="20000"/>
+              </a:spcBef>
+              <a:buFont typeface="Arial"/>
+              <a:buChar char="•"/>
+              <a:defRPr sz="1800" kern="1200">
+                <a:solidFill>
+                  <a:schemeClr val="tx1"/>
+                </a:solidFill>
+                <a:latin typeface="+mn-lt"/>
+                <a:ea typeface="+mn-ea"/>
+                <a:cs typeface="+mn-cs"/>
+              </a:defRPr>
+            </a:lvl8pPr>
+            <a:lvl9pPr marL="3886200" indent="-228600" algn="l" defTabSz="457200" rtl="0" eaLnBrk="1" latinLnBrk="0" hangingPunct="1">
+              <a:spcBef>
+                <a:spcPct val="20000"/>
+              </a:spcBef>
+              <a:buFont typeface="Arial"/>
+              <a:buChar char="•"/>
+              <a:defRPr sz="1800" kern="1200">
+                <a:solidFill>
+                  <a:schemeClr val="tx1"/>
+                </a:solidFill>
+                <a:latin typeface="+mn-lt"/>
+                <a:ea typeface="+mn-ea"/>
+                <a:cs typeface="+mn-cs"/>
+              </a:defRPr>
+            </a:lvl9pPr>
+          </a:lstStyle>
+          <a:p>
+            <a:pPr marL="0" indent="0">
+              <a:buNone/>
+            </a:pPr>
+            <a:r>
+              <a:rPr lang="en-US" b="1" i="1" dirty="0" smtClean="0"/>
+              <a:t>Method</a:t>
+            </a:r>
+          </a:p>
+          <a:p>
+            <a:r>
+              <a:rPr lang="en-US" i="1" dirty="0" smtClean="0"/>
+              <a:t>Weighting of 2011 distribution with 1991 weights calculated with inverse probability weighting</a:t>
+            </a:r>
+          </a:p>
+          <a:p>
+            <a:pPr marL="0" indent="0">
+              <a:buNone/>
+            </a:pPr>
+            <a:r>
+              <a:rPr lang="en-US" b="1" i="1" dirty="0" smtClean="0"/>
+              <a:t>Result</a:t>
+            </a:r>
+          </a:p>
+          <a:p>
+            <a:r>
+              <a:rPr lang="en-US" i="1" dirty="0"/>
+              <a:t>Inequality would be </a:t>
+            </a:r>
+            <a:r>
+              <a:rPr lang="en-US" i="1" dirty="0" smtClean="0"/>
+              <a:t>smaller</a:t>
+            </a:r>
+            <a:endParaRPr lang="en-US" b="1" i="1" dirty="0" smtClean="0"/>
+          </a:p>
+          <a:p>
+            <a:r>
+              <a:rPr lang="en-US" i="1" dirty="0" smtClean="0"/>
+              <a:t>19% of rise of inequality is due to change in demographic variables (age, household)</a:t>
+            </a:r>
+          </a:p>
+          <a:p>
+            <a:pPr marL="0" indent="0">
+              <a:buNone/>
+            </a:pPr>
+            <a:endParaRPr lang="de-CH" b="1" i="1" dirty="0" smtClean="0"/>
+          </a:p>
+          <a:p>
+            <a:endParaRPr lang="de-CH" i="1" dirty="0" smtClean="0"/>
+          </a:p>
+        </p:txBody>
+      </p:sp>
       <p:pic>
         <p:nvPicPr>
-          <p:cNvPr id="9220" name="Picture 4"/>
+          <p:cNvPr id="13314" name="Picture 2" descr="C:\Users\hlo1\neuchatel\analyses\bs_cf.png"/>
           <p:cNvPicPr>
             <a:picLocks noChangeAspect="1" noChangeArrowheads="1"/>
           </p:cNvPicPr>
@@ -9930,286 +10413,31 @@
               </a:ext>
             </a:extLst>
           </a:blip>
+          <a:srcRect/>
           <a:stretch>
             <a:fillRect/>
           </a:stretch>
         </p:blipFill>
         <p:spPr bwMode="auto">
           <a:xfrm>
-            <a:off x="684324" y="1219053"/>
-            <a:ext cx="4479515" cy="4479515"/>
+            <a:off x="676877" y="1440000"/>
+            <a:ext cx="4520063" cy="4520063"/>
           </a:xfrm>
           <a:prstGeom prst="rect">
             <a:avLst/>
           </a:prstGeom>
           <a:noFill/>
-          <a:ln>
-            <a:noFill/>
-          </a:ln>
           <a:extLst>
             <a:ext uri="{909E8E84-426E-40DD-AFC4-6F175D3DCCD1}">
               <a14:hiddenFill xmlns:a14="http://schemas.microsoft.com/office/drawing/2010/main">
                 <a:solidFill>
-                  <a:schemeClr val="accent1"/>
+                  <a:srgbClr val="FFFFFF"/>
                 </a:solidFill>
               </a14:hiddenFill>
-            </a:ext>
-            <a:ext uri="{91240B29-F687-4F45-9708-019B960494DF}">
-              <a14:hiddenLine xmlns:a14="http://schemas.microsoft.com/office/drawing/2010/main" w="9525">
-                <a:solidFill>
-                  <a:schemeClr val="tx1"/>
-                </a:solidFill>
-                <a:miter lim="800000"/>
-                <a:headEnd/>
-                <a:tailEnd/>
-              </a14:hiddenLine>
             </a:ext>
           </a:extLst>
         </p:spPr>
       </p:pic>
-      <p:sp>
-        <p:nvSpPr>
-          <p:cNvPr id="11" name="Inhaltsplatzhalter 3"/>
-          <p:cNvSpPr txBox="1">
-            <a:spLocks/>
-          </p:cNvSpPr>
-          <p:nvPr/>
-        </p:nvSpPr>
-        <p:spPr>
-          <a:xfrm>
-            <a:off x="5435600" y="1639873"/>
-            <a:ext cx="3132040" cy="3808427"/>
-          </a:xfrm>
-          <a:prstGeom prst="rect">
-            <a:avLst/>
-          </a:prstGeom>
-        </p:spPr>
-        <p:txBody>
-          <a:bodyPr lIns="0" rIns="0"/>
-          <a:lstStyle>
-            <a:lvl1pPr marL="271463" indent="-271463" algn="l" defTabSz="457200" rtl="0" eaLnBrk="1" fontAlgn="base" hangingPunct="1">
-              <a:spcBef>
-                <a:spcPct val="20000"/>
-              </a:spcBef>
-              <a:spcAft>
-                <a:spcPct val="0"/>
-              </a:spcAft>
-              <a:buClr>
-                <a:srgbClr val="FAA500"/>
-              </a:buClr>
-              <a:buSzPct val="80000"/>
-              <a:buFont typeface="Lucida Grande"/>
-              <a:buChar char="▶"/>
-              <a:defRPr sz="1800" kern="1200">
-                <a:solidFill>
-                  <a:schemeClr val="tx1"/>
-                </a:solidFill>
-                <a:latin typeface="Lucida Sans"/>
-                <a:ea typeface="MS PGothic" pitchFamily="34" charset="-128"/>
-                <a:cs typeface="Lucida Sans"/>
-              </a:defRPr>
-            </a:lvl1pPr>
-            <a:lvl2pPr marL="714375" indent="-257175" algn="l" defTabSz="457200" rtl="0" eaLnBrk="1" fontAlgn="base" hangingPunct="1">
-              <a:spcBef>
-                <a:spcPct val="20000"/>
-              </a:spcBef>
-              <a:spcAft>
-                <a:spcPct val="0"/>
-              </a:spcAft>
-              <a:buClr>
-                <a:srgbClr val="FAA500"/>
-              </a:buClr>
-              <a:buSzPct val="80000"/>
-              <a:buFont typeface="Lucida Grande"/>
-              <a:buChar char="▶"/>
-              <a:defRPr sz="1800" kern="1200">
-                <a:solidFill>
-                  <a:schemeClr val="tx1"/>
-                </a:solidFill>
-                <a:latin typeface="Lucida Sans"/>
-                <a:ea typeface="MS PGothic" pitchFamily="34" charset="-128"/>
-                <a:cs typeface="Lucida Sans"/>
-              </a:defRPr>
-            </a:lvl2pPr>
-            <a:lvl3pPr marL="1143000" indent="-228600" algn="l" defTabSz="457200" rtl="0" eaLnBrk="1" fontAlgn="base" hangingPunct="1">
-              <a:spcBef>
-                <a:spcPct val="20000"/>
-              </a:spcBef>
-              <a:spcAft>
-                <a:spcPct val="0"/>
-              </a:spcAft>
-              <a:buClr>
-                <a:srgbClr val="FAA500"/>
-              </a:buClr>
-              <a:buSzPct val="80000"/>
-              <a:buFont typeface="Lucida Grande"/>
-              <a:buChar char="▶"/>
-              <a:defRPr sz="1800" kern="1200">
-                <a:solidFill>
-                  <a:schemeClr val="tx1"/>
-                </a:solidFill>
-                <a:latin typeface="Lucida Sans"/>
-                <a:ea typeface="MS PGothic" pitchFamily="34" charset="-128"/>
-                <a:cs typeface="Lucida Sans"/>
-              </a:defRPr>
-            </a:lvl3pPr>
-            <a:lvl4pPr marL="1600200" indent="-228600" algn="l" defTabSz="457200" rtl="0" eaLnBrk="1" fontAlgn="base" hangingPunct="1">
-              <a:spcBef>
-                <a:spcPct val="20000"/>
-              </a:spcBef>
-              <a:spcAft>
-                <a:spcPct val="0"/>
-              </a:spcAft>
-              <a:buClr>
-                <a:srgbClr val="FAA500"/>
-              </a:buClr>
-              <a:buSzPct val="80000"/>
-              <a:buFont typeface="Lucida Grande"/>
-              <a:buChar char="▶"/>
-              <a:defRPr sz="1800" kern="1200">
-                <a:solidFill>
-                  <a:schemeClr val="tx1"/>
-                </a:solidFill>
-                <a:latin typeface="Lucida Sans"/>
-                <a:ea typeface="MS PGothic" pitchFamily="34" charset="-128"/>
-                <a:cs typeface="Lucida Sans"/>
-              </a:defRPr>
-            </a:lvl4pPr>
-            <a:lvl5pPr marL="2057400" indent="-228600" algn="l" defTabSz="457200" rtl="0" eaLnBrk="1" fontAlgn="base" hangingPunct="1">
-              <a:spcBef>
-                <a:spcPct val="20000"/>
-              </a:spcBef>
-              <a:spcAft>
-                <a:spcPct val="0"/>
-              </a:spcAft>
-              <a:buClr>
-                <a:srgbClr val="FAA500"/>
-              </a:buClr>
-              <a:buSzPct val="80000"/>
-              <a:buFont typeface="Lucida Grande"/>
-              <a:buChar char="▶"/>
-              <a:defRPr sz="1800" kern="1200">
-                <a:solidFill>
-                  <a:schemeClr val="tx1"/>
-                </a:solidFill>
-                <a:latin typeface="Lucida Sans"/>
-                <a:ea typeface="MS PGothic" pitchFamily="34" charset="-128"/>
-                <a:cs typeface="Lucida Sans"/>
-              </a:defRPr>
-            </a:lvl5pPr>
-            <a:lvl6pPr marL="2514600" indent="-228600" algn="l" defTabSz="457200" rtl="0" eaLnBrk="1" latinLnBrk="0" hangingPunct="1">
-              <a:spcBef>
-                <a:spcPct val="20000"/>
-              </a:spcBef>
-              <a:buFont typeface="Arial"/>
-              <a:buChar char="•"/>
-              <a:defRPr sz="1800" kern="1200">
-                <a:solidFill>
-                  <a:schemeClr val="tx1"/>
-                </a:solidFill>
-                <a:latin typeface="+mn-lt"/>
-                <a:ea typeface="+mn-ea"/>
-                <a:cs typeface="+mn-cs"/>
-              </a:defRPr>
-            </a:lvl6pPr>
-            <a:lvl7pPr marL="2971800" indent="-228600" algn="l" defTabSz="457200" rtl="0" eaLnBrk="1" latinLnBrk="0" hangingPunct="1">
-              <a:spcBef>
-                <a:spcPct val="20000"/>
-              </a:spcBef>
-              <a:buFont typeface="Arial"/>
-              <a:buChar char="•"/>
-              <a:defRPr sz="1800" kern="1200">
-                <a:solidFill>
-                  <a:schemeClr val="tx1"/>
-                </a:solidFill>
-                <a:latin typeface="+mn-lt"/>
-                <a:ea typeface="+mn-ea"/>
-                <a:cs typeface="+mn-cs"/>
-              </a:defRPr>
-            </a:lvl7pPr>
-            <a:lvl8pPr marL="3429000" indent="-228600" algn="l" defTabSz="457200" rtl="0" eaLnBrk="1" latinLnBrk="0" hangingPunct="1">
-              <a:spcBef>
-                <a:spcPct val="20000"/>
-              </a:spcBef>
-              <a:buFont typeface="Arial"/>
-              <a:buChar char="•"/>
-              <a:defRPr sz="1800" kern="1200">
-                <a:solidFill>
-                  <a:schemeClr val="tx1"/>
-                </a:solidFill>
-                <a:latin typeface="+mn-lt"/>
-                <a:ea typeface="+mn-ea"/>
-                <a:cs typeface="+mn-cs"/>
-              </a:defRPr>
-            </a:lvl8pPr>
-            <a:lvl9pPr marL="3886200" indent="-228600" algn="l" defTabSz="457200" rtl="0" eaLnBrk="1" latinLnBrk="0" hangingPunct="1">
-              <a:spcBef>
-                <a:spcPct val="20000"/>
-              </a:spcBef>
-              <a:buFont typeface="Arial"/>
-              <a:buChar char="•"/>
-              <a:defRPr sz="1800" kern="1200">
-                <a:solidFill>
-                  <a:schemeClr val="tx1"/>
-                </a:solidFill>
-                <a:latin typeface="+mn-lt"/>
-                <a:ea typeface="+mn-ea"/>
-                <a:cs typeface="+mn-cs"/>
-              </a:defRPr>
-            </a:lvl9pPr>
-          </a:lstStyle>
-          <a:p>
-            <a:pPr marL="0" indent="0">
-              <a:buNone/>
-            </a:pPr>
-            <a:r>
-              <a:rPr lang="en-US" b="1" i="1" dirty="0" smtClean="0"/>
-              <a:t>Method</a:t>
-            </a:r>
-          </a:p>
-          <a:p>
-            <a:r>
-              <a:rPr lang="en-US" i="1" dirty="0" smtClean="0"/>
-              <a:t>Weighting of 2011 distribution with 1991 weights calculated with inverse probability weighting</a:t>
-            </a:r>
-          </a:p>
-          <a:p>
-            <a:pPr marL="0" indent="0">
-              <a:buNone/>
-            </a:pPr>
-            <a:r>
-              <a:rPr lang="en-US" b="1" i="1" dirty="0" smtClean="0"/>
-              <a:t>Result</a:t>
-            </a:r>
-          </a:p>
-          <a:p>
-            <a:r>
-              <a:rPr lang="en-US" i="1" dirty="0"/>
-              <a:t>Inequality would be </a:t>
-            </a:r>
-            <a:r>
-              <a:rPr lang="en-US" i="1" dirty="0" smtClean="0"/>
-              <a:t>smaller</a:t>
-            </a:r>
-            <a:endParaRPr lang="en-US" b="1" i="1" dirty="0" smtClean="0"/>
-          </a:p>
-          <a:p>
-            <a:r>
-              <a:rPr lang="en-US" i="1" dirty="0" smtClean="0"/>
-              <a:t>19% of rise of inequality is due to change in demographic variables (age, household)</a:t>
-            </a:r>
-          </a:p>
-          <a:p>
-            <a:pPr marL="0" indent="0">
-              <a:buNone/>
-            </a:pPr>
-            <a:endParaRPr lang="de-CH" b="1" i="1" dirty="0" smtClean="0"/>
-          </a:p>
-          <a:p>
-            <a:endParaRPr lang="de-CH" i="1" dirty="0" smtClean="0"/>
-          </a:p>
-        </p:txBody>
-      </p:sp>
     </p:spTree>
     <p:extLst>
       <p:ext uri="{BB962C8B-B14F-4D97-AF65-F5344CB8AC3E}">
@@ -11196,7 +11424,15 @@
             </a:r>
             <a:r>
               <a:rPr lang="en-US" dirty="0" smtClean="0"/>
-              <a:t> of society affects income inequality. It increases when inequality among retired is higher than among workforce (</a:t>
+              <a:t> of society affects income inequality. It </a:t>
+            </a:r>
+            <a:r>
+              <a:rPr lang="en-US" dirty="0" smtClean="0"/>
+              <a:t>should increase </a:t>
+            </a:r>
+            <a:r>
+              <a:rPr lang="en-US" dirty="0" smtClean="0"/>
+              <a:t>when inequality among retired is higher than among workforce (</a:t>
             </a:r>
             <a:r>
               <a:rPr lang="en-US" dirty="0" err="1" smtClean="0"/>
@@ -12924,7 +13160,15 @@
             <a:pPr lvl="1"/>
             <a:r>
               <a:rPr lang="en-US" sz="1400" i="1" dirty="0" smtClean="0"/>
-              <a:t>(a) Changing shares (e.g. poor group gets bigger) </a:t>
+              <a:t>(a) Changing shares (e.g. poor group </a:t>
+            </a:r>
+            <a:r>
+              <a:rPr lang="en-US" sz="1400" i="1" dirty="0" smtClean="0"/>
+              <a:t>got </a:t>
+            </a:r>
+            <a:r>
+              <a:rPr lang="en-US" sz="1400" i="1" dirty="0" smtClean="0"/>
+              <a:t>bigger) </a:t>
             </a:r>
           </a:p>
           <a:p>
@@ -14533,7 +14777,7 @@
           <a:graphicData uri="http://schemas.openxmlformats.org/presentationml/2006/ole">
             <mc:AlternateContent xmlns:mc="http://schemas.openxmlformats.org/markup-compatibility/2006">
               <mc:Choice xmlns:v="urn:schemas-microsoft-com:vml" Requires="v">
-                <p:oleObj spid="_x0000_s9232" name="Worksheet" r:id="rId5" imgW="4057667" imgH="1438343" progId="Excel.Sheet.12">
+                <p:oleObj spid="_x0000_s9233" name="Worksheet" r:id="rId5" imgW="4057667" imgH="1438343" progId="Excel.Sheet.12">
                   <p:embed/>
                 </p:oleObj>
               </mc:Choice>
@@ -15763,15 +16007,15 @@
             </a:r>
             <a:r>
               <a:rPr lang="en-US" dirty="0" smtClean="0"/>
-              <a:t>- Contribution of </a:t>
+              <a:t>- Contribution of within and between </a:t>
             </a:r>
             <a:r>
               <a:rPr lang="en-US" dirty="0" smtClean="0"/>
-              <a:t>within and </a:t>
+              <a:t>inequality to </a:t>
             </a:r>
             <a:r>
               <a:rPr lang="en-US" dirty="0" smtClean="0"/>
-              <a:t>between inequality  to overall inequality</a:t>
+              <a:t>overall inequality</a:t>
             </a:r>
             <a:endParaRPr lang="en-US" dirty="0"/>
           </a:p>
@@ -16405,7 +16649,7 @@
           <p:nvPr>
             <p:extLst>
               <p:ext uri="{D42A27DB-BD31-4B8C-83A1-F6EECF244321}">
-                <p14:modId xmlns:p14="http://schemas.microsoft.com/office/powerpoint/2010/main" val="3913292921"/>
+                <p14:modId xmlns:p14="http://schemas.microsoft.com/office/powerpoint/2010/main" val="3400566767"/>
               </p:ext>
             </p:extLst>
           </p:nvPr>
@@ -16418,12 +16662,12 @@
           <a:graphicData uri="http://schemas.openxmlformats.org/presentationml/2006/ole">
             <mc:AlternateContent xmlns:mc="http://schemas.openxmlformats.org/markup-compatibility/2006">
               <mc:Choice xmlns:v="urn:schemas-microsoft-com:vml" Requires="v">
-                <p:oleObj spid="_x0000_s4148" name="Worksheet" r:id="rId5" imgW="4391011" imgH="2248007" progId="Excel.Sheet.12">
+                <p:oleObj spid="_x0000_s4149" name="Worksheet" r:id="rId4" imgW="4391011" imgH="2247900" progId="Excel.Sheet.12">
                   <p:embed/>
                 </p:oleObj>
               </mc:Choice>
               <mc:Fallback>
-                <p:oleObj name="Worksheet" r:id="rId5" imgW="4391011" imgH="2248007" progId="Excel.Sheet.12">
+                <p:oleObj name="Worksheet" r:id="rId4" imgW="4391011" imgH="2247900" progId="Excel.Sheet.12">
                   <p:embed/>
                   <p:pic>
                     <p:nvPicPr>
@@ -16432,7 +16676,7 @@
                       <p:nvPr/>
                     </p:nvPicPr>
                     <p:blipFill>
-                      <a:blip r:embed="rId6"/>
+                      <a:blip r:embed="rId5"/>
                       <a:stretch>
                         <a:fillRect/>
                       </a:stretch>
@@ -16772,7 +17016,7 @@
           <a:graphicData uri="http://schemas.openxmlformats.org/presentationml/2006/ole">
             <mc:AlternateContent xmlns:mc="http://schemas.openxmlformats.org/markup-compatibility/2006">
               <mc:Choice xmlns:v="urn:schemas-microsoft-com:vml" Requires="v">
-                <p:oleObj spid="_x0000_s3139" name="Worksheet" r:id="rId5" imgW="3952855" imgH="2505143" progId="Excel.Sheet.12">
+                <p:oleObj spid="_x0000_s3140" name="Worksheet" r:id="rId5" imgW="3952855" imgH="2505143" progId="Excel.Sheet.12">
                   <p:embed/>
                 </p:oleObj>
               </mc:Choice>
@@ -17870,21 +18114,6 @@
 </file>
 
 <file path=customXml/item1.xml><?xml version="1.0" encoding="utf-8"?>
-<p:properties xmlns:p="http://schemas.microsoft.com/office/2006/metadata/properties" xmlns:xsi="http://www.w3.org/2001/XMLSchema-instance">
-  <documentManagement/>
-</p:properties>
-</file>
-
-<file path=customXml/item2.xml><?xml version="1.0" encoding="utf-8"?>
-<?mso-contentType ?>
-<FormTemplates xmlns="http://schemas.microsoft.com/sharepoint/v3/contenttype/forms">
-  <Display>DocumentLibraryForm</Display>
-  <Edit>DocumentLibraryForm</Edit>
-  <New>DocumentLibraryForm</New>
-</FormTemplates>
-</file>
-
-<file path=customXml/item3.xml><?xml version="1.0" encoding="utf-8"?>
 <ct:contentTypeSchema xmlns:ct="http://schemas.microsoft.com/office/2006/metadata/contentType" xmlns:ma="http://schemas.microsoft.com/office/2006/metadata/properties/metaAttributes" ct:_="" ma:_="" ma:contentTypeName="Dokument" ma:contentTypeID="0x01010055129612D1B29A4693F2F62632063D6A" ma:contentTypeVersion="0" ma:contentTypeDescription="Ein neues Dokument erstellen." ma:contentTypeScope="" ma:versionID="fba8d20abbd965724d3439c9b926458f">
   <xsd:schema xmlns:xsd="http://www.w3.org/2001/XMLSchema" xmlns:xs="http://www.w3.org/2001/XMLSchema" xmlns:p="http://schemas.microsoft.com/office/2006/metadata/properties" targetNamespace="http://schemas.microsoft.com/office/2006/metadata/properties" ma:root="true" ma:fieldsID="246f02dd96380beb4f7cdcce14d77fd6">
     <xsd:element name="properties">
@@ -17998,17 +18227,33 @@
 </ct:contentTypeSchema>
 </file>
 
+<file path=customXml/item2.xml><?xml version="1.0" encoding="utf-8"?>
+<?mso-contentType ?>
+<FormTemplates xmlns="http://schemas.microsoft.com/sharepoint/v3/contenttype/forms">
+  <Display>DocumentLibraryForm</Display>
+  <Edit>DocumentLibraryForm</Edit>
+  <New>DocumentLibraryForm</New>
+</FormTemplates>
+</file>
+
+<file path=customXml/item3.xml><?xml version="1.0" encoding="utf-8"?>
+<p:properties xmlns:p="http://schemas.microsoft.com/office/2006/metadata/properties" xmlns:xsi="http://www.w3.org/2001/XMLSchema-instance">
+  <documentManagement/>
+</p:properties>
+</file>
+
 <file path=customXml/itemProps1.xml><?xml version="1.0" encoding="utf-8"?>
-<ds:datastoreItem xmlns:ds="http://schemas.openxmlformats.org/officeDocument/2006/customXml" ds:itemID="{B470C3CE-871E-471D-827D-756DC4BA1786}">
+<ds:datastoreItem xmlns:ds="http://schemas.openxmlformats.org/officeDocument/2006/customXml" ds:itemID="{581BF47C-2126-4B8C-8663-51154515DD2F}">
   <ds:schemaRefs>
+    <ds:schemaRef ds:uri="http://schemas.microsoft.com/office/2006/metadata/contentType"/>
+    <ds:schemaRef ds:uri="http://schemas.microsoft.com/office/2006/metadata/properties/metaAttributes"/>
+    <ds:schemaRef ds:uri="http://www.w3.org/2001/XMLSchema"/>
     <ds:schemaRef ds:uri="http://schemas.microsoft.com/office/2006/metadata/properties"/>
-    <ds:schemaRef ds:uri="http://purl.org/dc/dcmitype/"/>
-    <ds:schemaRef ds:uri="http://purl.org/dc/terms/"/>
-    <ds:schemaRef ds:uri="http://www.w3.org/XML/1998/namespace"/>
-    <ds:schemaRef ds:uri="http://schemas.microsoft.com/office/2006/documentManagement/types"/>
-    <ds:schemaRef ds:uri="http://schemas.microsoft.com/office/infopath/2007/PartnerControls"/>
     <ds:schemaRef ds:uri="http://schemas.openxmlformats.org/package/2006/metadata/core-properties"/>
     <ds:schemaRef ds:uri="http://purl.org/dc/elements/1.1/"/>
+    <ds:schemaRef ds:uri="http://purl.org/dc/terms/"/>
+    <ds:schemaRef ds:uri="http://schemas.microsoft.com/internal/obd"/>
+    <ds:schemaRef ds:uri="http://schemas.microsoft.com/office/infopath/2007/PartnerControls"/>
   </ds:schemaRefs>
 </ds:datastoreItem>
 </file>
@@ -18022,17 +18267,16 @@
 </file>
 
 <file path=customXml/itemProps3.xml><?xml version="1.0" encoding="utf-8"?>
-<ds:datastoreItem xmlns:ds="http://schemas.openxmlformats.org/officeDocument/2006/customXml" ds:itemID="{581BF47C-2126-4B8C-8663-51154515DD2F}">
+<ds:datastoreItem xmlns:ds="http://schemas.openxmlformats.org/officeDocument/2006/customXml" ds:itemID="{B470C3CE-871E-471D-827D-756DC4BA1786}">
   <ds:schemaRefs>
-    <ds:schemaRef ds:uri="http://schemas.microsoft.com/office/2006/metadata/contentType"/>
-    <ds:schemaRef ds:uri="http://schemas.microsoft.com/office/2006/metadata/properties/metaAttributes"/>
-    <ds:schemaRef ds:uri="http://www.w3.org/2001/XMLSchema"/>
     <ds:schemaRef ds:uri="http://schemas.microsoft.com/office/2006/metadata/properties"/>
+    <ds:schemaRef ds:uri="http://purl.org/dc/dcmitype/"/>
+    <ds:schemaRef ds:uri="http://purl.org/dc/terms/"/>
+    <ds:schemaRef ds:uri="http://www.w3.org/XML/1998/namespace"/>
+    <ds:schemaRef ds:uri="http://schemas.microsoft.com/office/2006/documentManagement/types"/>
+    <ds:schemaRef ds:uri="http://schemas.microsoft.com/office/infopath/2007/PartnerControls"/>
     <ds:schemaRef ds:uri="http://schemas.openxmlformats.org/package/2006/metadata/core-properties"/>
     <ds:schemaRef ds:uri="http://purl.org/dc/elements/1.1/"/>
-    <ds:schemaRef ds:uri="http://purl.org/dc/terms/"/>
-    <ds:schemaRef ds:uri="http://schemas.microsoft.com/internal/obd"/>
-    <ds:schemaRef ds:uri="http://schemas.microsoft.com/office/infopath/2007/PartnerControls"/>
   </ds:schemaRefs>
 </ds:datastoreItem>
 </file>